--- a/LeetCode/作图.pptx
+++ b/LeetCode/作图.pptx
@@ -11,6 +11,7 @@
     <p:sldId id="259" r:id="rId5"/>
     <p:sldId id="260" r:id="rId6"/>
     <p:sldId id="261" r:id="rId7"/>
+    <p:sldId id="262" r:id="rId8"/>
   </p:sldIdLst>
   <p:sldSz cx="12192000" cy="6858000"/>
   <p:notesSz cx="6858000" cy="9144000"/>
@@ -264,7 +265,7 @@
           <a:p>
             <a:fld id="{727FA993-5ABA-4536-842C-15C287F34351}" type="datetimeFigureOut">
               <a:rPr lang="zh-CN" altLang="en-US" smtClean="0"/>
-              <a:t>2020/5/2</a:t>
+              <a:t>2020/5/3</a:t>
             </a:fld>
             <a:endParaRPr lang="zh-CN" altLang="en-US"/>
           </a:p>
@@ -462,7 +463,7 @@
           <a:p>
             <a:fld id="{727FA993-5ABA-4536-842C-15C287F34351}" type="datetimeFigureOut">
               <a:rPr lang="zh-CN" altLang="en-US" smtClean="0"/>
-              <a:t>2020/5/2</a:t>
+              <a:t>2020/5/3</a:t>
             </a:fld>
             <a:endParaRPr lang="zh-CN" altLang="en-US"/>
           </a:p>
@@ -670,7 +671,7 @@
           <a:p>
             <a:fld id="{727FA993-5ABA-4536-842C-15C287F34351}" type="datetimeFigureOut">
               <a:rPr lang="zh-CN" altLang="en-US" smtClean="0"/>
-              <a:t>2020/5/2</a:t>
+              <a:t>2020/5/3</a:t>
             </a:fld>
             <a:endParaRPr lang="zh-CN" altLang="en-US"/>
           </a:p>
@@ -868,7 +869,7 @@
           <a:p>
             <a:fld id="{727FA993-5ABA-4536-842C-15C287F34351}" type="datetimeFigureOut">
               <a:rPr lang="zh-CN" altLang="en-US" smtClean="0"/>
-              <a:t>2020/5/2</a:t>
+              <a:t>2020/5/3</a:t>
             </a:fld>
             <a:endParaRPr lang="zh-CN" altLang="en-US"/>
           </a:p>
@@ -1143,7 +1144,7 @@
           <a:p>
             <a:fld id="{727FA993-5ABA-4536-842C-15C287F34351}" type="datetimeFigureOut">
               <a:rPr lang="zh-CN" altLang="en-US" smtClean="0"/>
-              <a:t>2020/5/2</a:t>
+              <a:t>2020/5/3</a:t>
             </a:fld>
             <a:endParaRPr lang="zh-CN" altLang="en-US"/>
           </a:p>
@@ -1408,7 +1409,7 @@
           <a:p>
             <a:fld id="{727FA993-5ABA-4536-842C-15C287F34351}" type="datetimeFigureOut">
               <a:rPr lang="zh-CN" altLang="en-US" smtClean="0"/>
-              <a:t>2020/5/2</a:t>
+              <a:t>2020/5/3</a:t>
             </a:fld>
             <a:endParaRPr lang="zh-CN" altLang="en-US"/>
           </a:p>
@@ -1820,7 +1821,7 @@
           <a:p>
             <a:fld id="{727FA993-5ABA-4536-842C-15C287F34351}" type="datetimeFigureOut">
               <a:rPr lang="zh-CN" altLang="en-US" smtClean="0"/>
-              <a:t>2020/5/2</a:t>
+              <a:t>2020/5/3</a:t>
             </a:fld>
             <a:endParaRPr lang="zh-CN" altLang="en-US"/>
           </a:p>
@@ -1961,7 +1962,7 @@
           <a:p>
             <a:fld id="{727FA993-5ABA-4536-842C-15C287F34351}" type="datetimeFigureOut">
               <a:rPr lang="zh-CN" altLang="en-US" smtClean="0"/>
-              <a:t>2020/5/2</a:t>
+              <a:t>2020/5/3</a:t>
             </a:fld>
             <a:endParaRPr lang="zh-CN" altLang="en-US"/>
           </a:p>
@@ -2074,7 +2075,7 @@
           <a:p>
             <a:fld id="{727FA993-5ABA-4536-842C-15C287F34351}" type="datetimeFigureOut">
               <a:rPr lang="zh-CN" altLang="en-US" smtClean="0"/>
-              <a:t>2020/5/2</a:t>
+              <a:t>2020/5/3</a:t>
             </a:fld>
             <a:endParaRPr lang="zh-CN" altLang="en-US"/>
           </a:p>
@@ -2385,7 +2386,7 @@
           <a:p>
             <a:fld id="{727FA993-5ABA-4536-842C-15C287F34351}" type="datetimeFigureOut">
               <a:rPr lang="zh-CN" altLang="en-US" smtClean="0"/>
-              <a:t>2020/5/2</a:t>
+              <a:t>2020/5/3</a:t>
             </a:fld>
             <a:endParaRPr lang="zh-CN" altLang="en-US"/>
           </a:p>
@@ -2673,7 +2674,7 @@
           <a:p>
             <a:fld id="{727FA993-5ABA-4536-842C-15C287F34351}" type="datetimeFigureOut">
               <a:rPr lang="zh-CN" altLang="en-US" smtClean="0"/>
-              <a:t>2020/5/2</a:t>
+              <a:t>2020/5/3</a:t>
             </a:fld>
             <a:endParaRPr lang="zh-CN" altLang="en-US"/>
           </a:p>
@@ -2914,7 +2915,7 @@
           <a:p>
             <a:fld id="{727FA993-5ABA-4536-842C-15C287F34351}" type="datetimeFigureOut">
               <a:rPr lang="zh-CN" altLang="en-US" smtClean="0"/>
-              <a:t>2020/5/2</a:t>
+              <a:t>2020/5/3</a:t>
             </a:fld>
             <a:endParaRPr lang="zh-CN" altLang="en-US"/>
           </a:p>
@@ -10266,6 +10267,612 @@
 </p:sld>
 </file>
 
+<file path=ppt/slides/slide7.xml><?xml version="1.0" encoding="utf-8"?>
+<p:sld xmlns:a="http://schemas.openxmlformats.org/drawingml/2006/main" xmlns:r="http://schemas.openxmlformats.org/officeDocument/2006/relationships" xmlns:p="http://schemas.openxmlformats.org/presentationml/2006/main">
+  <p:cSld>
+    <p:spTree>
+      <p:nvGrpSpPr>
+        <p:cNvPr id="1" name=""/>
+        <p:cNvGrpSpPr/>
+        <p:nvPr/>
+      </p:nvGrpSpPr>
+      <p:grpSpPr>
+        <a:xfrm>
+          <a:off x="0" y="0"/>
+          <a:ext cx="0" cy="0"/>
+          <a:chOff x="0" y="0"/>
+          <a:chExt cx="0" cy="0"/>
+        </a:xfrm>
+      </p:grpSpPr>
+      <p:graphicFrame>
+        <p:nvGraphicFramePr>
+          <p:cNvPr id="4" name="表格 3">
+            <a:extLst>
+              <a:ext uri="{FF2B5EF4-FFF2-40B4-BE49-F238E27FC236}">
+                <a16:creationId xmlns:a16="http://schemas.microsoft.com/office/drawing/2014/main" id="{A1DF0359-0E36-4ECA-A0DF-12CBDBC21CB0}"/>
+              </a:ext>
+            </a:extLst>
+          </p:cNvPr>
+          <p:cNvGraphicFramePr>
+            <a:graphicFrameLocks noGrp="1"/>
+          </p:cNvGraphicFramePr>
+          <p:nvPr>
+            <p:extLst>
+              <p:ext uri="{D42A27DB-BD31-4B8C-83A1-F6EECF244321}">
+                <p14:modId xmlns:p14="http://schemas.microsoft.com/office/powerpoint/2010/main" val="3833440483"/>
+              </p:ext>
+            </p:extLst>
+          </p:nvPr>
+        </p:nvGraphicFramePr>
+        <p:xfrm>
+          <a:off x="3594100" y="2176991"/>
+          <a:ext cx="4549780" cy="365760"/>
+        </p:xfrm>
+        <a:graphic>
+          <a:graphicData uri="http://schemas.openxmlformats.org/drawingml/2006/table">
+            <a:tbl>
+              <a:tblPr firstRow="1" bandRow="1">
+                <a:tableStyleId>{5C22544A-7EE6-4342-B048-85BDC9FD1C3A}</a:tableStyleId>
+              </a:tblPr>
+              <a:tblGrid>
+                <a:gridCol w="454978">
+                  <a:extLst>
+                    <a:ext uri="{9D8B030D-6E8A-4147-A177-3AD203B41FA5}">
+                      <a16:colId xmlns:a16="http://schemas.microsoft.com/office/drawing/2014/main" val="156092059"/>
+                    </a:ext>
+                  </a:extLst>
+                </a:gridCol>
+                <a:gridCol w="454978">
+                  <a:extLst>
+                    <a:ext uri="{9D8B030D-6E8A-4147-A177-3AD203B41FA5}">
+                      <a16:colId xmlns:a16="http://schemas.microsoft.com/office/drawing/2014/main" val="745870297"/>
+                    </a:ext>
+                  </a:extLst>
+                </a:gridCol>
+                <a:gridCol w="454978">
+                  <a:extLst>
+                    <a:ext uri="{9D8B030D-6E8A-4147-A177-3AD203B41FA5}">
+                      <a16:colId xmlns:a16="http://schemas.microsoft.com/office/drawing/2014/main" val="453705876"/>
+                    </a:ext>
+                  </a:extLst>
+                </a:gridCol>
+                <a:gridCol w="454978">
+                  <a:extLst>
+                    <a:ext uri="{9D8B030D-6E8A-4147-A177-3AD203B41FA5}">
+                      <a16:colId xmlns:a16="http://schemas.microsoft.com/office/drawing/2014/main" val="371340297"/>
+                    </a:ext>
+                  </a:extLst>
+                </a:gridCol>
+                <a:gridCol w="454978">
+                  <a:extLst>
+                    <a:ext uri="{9D8B030D-6E8A-4147-A177-3AD203B41FA5}">
+                      <a16:colId xmlns:a16="http://schemas.microsoft.com/office/drawing/2014/main" val="1337578375"/>
+                    </a:ext>
+                  </a:extLst>
+                </a:gridCol>
+                <a:gridCol w="454978">
+                  <a:extLst>
+                    <a:ext uri="{9D8B030D-6E8A-4147-A177-3AD203B41FA5}">
+                      <a16:colId xmlns:a16="http://schemas.microsoft.com/office/drawing/2014/main" val="625575067"/>
+                    </a:ext>
+                  </a:extLst>
+                </a:gridCol>
+                <a:gridCol w="454978">
+                  <a:extLst>
+                    <a:ext uri="{9D8B030D-6E8A-4147-A177-3AD203B41FA5}">
+                      <a16:colId xmlns:a16="http://schemas.microsoft.com/office/drawing/2014/main" val="53776170"/>
+                    </a:ext>
+                  </a:extLst>
+                </a:gridCol>
+                <a:gridCol w="454978">
+                  <a:extLst>
+                    <a:ext uri="{9D8B030D-6E8A-4147-A177-3AD203B41FA5}">
+                      <a16:colId xmlns:a16="http://schemas.microsoft.com/office/drawing/2014/main" val="3513193082"/>
+                    </a:ext>
+                  </a:extLst>
+                </a:gridCol>
+                <a:gridCol w="454978">
+                  <a:extLst>
+                    <a:ext uri="{9D8B030D-6E8A-4147-A177-3AD203B41FA5}">
+                      <a16:colId xmlns:a16="http://schemas.microsoft.com/office/drawing/2014/main" val="1406824421"/>
+                    </a:ext>
+                  </a:extLst>
+                </a:gridCol>
+                <a:gridCol w="454978">
+                  <a:extLst>
+                    <a:ext uri="{9D8B030D-6E8A-4147-A177-3AD203B41FA5}">
+                      <a16:colId xmlns:a16="http://schemas.microsoft.com/office/drawing/2014/main" val="2009323049"/>
+                    </a:ext>
+                  </a:extLst>
+                </a:gridCol>
+              </a:tblGrid>
+              <a:tr h="347134">
+                <a:tc>
+                  <a:txBody>
+                    <a:bodyPr/>
+                    <a:lstStyle/>
+                    <a:p>
+                      <a:endParaRPr lang="zh-CN" altLang="en-US" dirty="0"/>
+                    </a:p>
+                  </a:txBody>
+                  <a:tcPr>
+                    <a:solidFill>
+                      <a:srgbClr val="FF0000"/>
+                    </a:solidFill>
+                  </a:tcPr>
+                </a:tc>
+                <a:tc>
+                  <a:txBody>
+                    <a:bodyPr/>
+                    <a:lstStyle/>
+                    <a:p>
+                      <a:endParaRPr lang="zh-CN" altLang="en-US"/>
+                    </a:p>
+                  </a:txBody>
+                  <a:tcPr>
+                    <a:solidFill>
+                      <a:srgbClr val="00B050"/>
+                    </a:solidFill>
+                  </a:tcPr>
+                </a:tc>
+                <a:tc>
+                  <a:txBody>
+                    <a:bodyPr/>
+                    <a:lstStyle/>
+                    <a:p>
+                      <a:endParaRPr lang="zh-CN" altLang="en-US"/>
+                    </a:p>
+                  </a:txBody>
+                  <a:tcPr>
+                    <a:solidFill>
+                      <a:srgbClr val="00B050"/>
+                    </a:solidFill>
+                  </a:tcPr>
+                </a:tc>
+                <a:tc>
+                  <a:txBody>
+                    <a:bodyPr/>
+                    <a:lstStyle/>
+                    <a:p>
+                      <a:endParaRPr lang="zh-CN" altLang="en-US"/>
+                    </a:p>
+                  </a:txBody>
+                  <a:tcPr>
+                    <a:solidFill>
+                      <a:srgbClr val="00B050"/>
+                    </a:solidFill>
+                  </a:tcPr>
+                </a:tc>
+                <a:tc>
+                  <a:txBody>
+                    <a:bodyPr/>
+                    <a:lstStyle/>
+                    <a:p>
+                      <a:endParaRPr lang="zh-CN" altLang="en-US"/>
+                    </a:p>
+                  </a:txBody>
+                  <a:tcPr>
+                    <a:solidFill>
+                      <a:srgbClr val="00B050"/>
+                    </a:solidFill>
+                  </a:tcPr>
+                </a:tc>
+                <a:tc>
+                  <a:txBody>
+                    <a:bodyPr/>
+                    <a:lstStyle/>
+                    <a:p>
+                      <a:endParaRPr lang="zh-CN" altLang="en-US" dirty="0"/>
+                    </a:p>
+                  </a:txBody>
+                  <a:tcPr>
+                    <a:solidFill>
+                      <a:srgbClr val="00B050"/>
+                    </a:solidFill>
+                  </a:tcPr>
+                </a:tc>
+                <a:tc>
+                  <a:txBody>
+                    <a:bodyPr/>
+                    <a:lstStyle/>
+                    <a:p>
+                      <a:endParaRPr lang="zh-CN" altLang="en-US" dirty="0"/>
+                    </a:p>
+                  </a:txBody>
+                  <a:tcPr>
+                    <a:solidFill>
+                      <a:srgbClr val="0070C0"/>
+                    </a:solidFill>
+                  </a:tcPr>
+                </a:tc>
+                <a:tc>
+                  <a:txBody>
+                    <a:bodyPr/>
+                    <a:lstStyle/>
+                    <a:p>
+                      <a:endParaRPr lang="zh-CN" altLang="en-US" dirty="0"/>
+                    </a:p>
+                  </a:txBody>
+                  <a:tcPr>
+                    <a:solidFill>
+                      <a:srgbClr val="0070C0"/>
+                    </a:solidFill>
+                  </a:tcPr>
+                </a:tc>
+                <a:tc>
+                  <a:txBody>
+                    <a:bodyPr/>
+                    <a:lstStyle/>
+                    <a:p>
+                      <a:endParaRPr lang="zh-CN" altLang="en-US" dirty="0"/>
+                    </a:p>
+                  </a:txBody>
+                  <a:tcPr>
+                    <a:solidFill>
+                      <a:srgbClr val="0070C0"/>
+                    </a:solidFill>
+                  </a:tcPr>
+                </a:tc>
+                <a:tc>
+                  <a:txBody>
+                    <a:bodyPr/>
+                    <a:lstStyle/>
+                    <a:p>
+                      <a:endParaRPr lang="zh-CN" altLang="en-US" dirty="0"/>
+                    </a:p>
+                  </a:txBody>
+                  <a:tcPr>
+                    <a:solidFill>
+                      <a:srgbClr val="0070C0"/>
+                    </a:solidFill>
+                  </a:tcPr>
+                </a:tc>
+                <a:extLst>
+                  <a:ext uri="{0D108BD9-81ED-4DB2-BD59-A6C34878D82A}">
+                    <a16:rowId xmlns:a16="http://schemas.microsoft.com/office/drawing/2014/main" val="3363689498"/>
+                  </a:ext>
+                </a:extLst>
+              </a:tr>
+            </a:tbl>
+          </a:graphicData>
+        </a:graphic>
+      </p:graphicFrame>
+      <p:graphicFrame>
+        <p:nvGraphicFramePr>
+          <p:cNvPr id="5" name="表格 4">
+            <a:extLst>
+              <a:ext uri="{FF2B5EF4-FFF2-40B4-BE49-F238E27FC236}">
+                <a16:creationId xmlns:a16="http://schemas.microsoft.com/office/drawing/2014/main" id="{D86DFAC7-FEFB-478B-9104-17E69AA0BA63}"/>
+              </a:ext>
+            </a:extLst>
+          </p:cNvPr>
+          <p:cNvGraphicFramePr>
+            <a:graphicFrameLocks noGrp="1"/>
+          </p:cNvGraphicFramePr>
+          <p:nvPr>
+            <p:extLst>
+              <p:ext uri="{D42A27DB-BD31-4B8C-83A1-F6EECF244321}">
+                <p14:modId xmlns:p14="http://schemas.microsoft.com/office/powerpoint/2010/main" val="2969481461"/>
+              </p:ext>
+            </p:extLst>
+          </p:nvPr>
+        </p:nvGraphicFramePr>
+        <p:xfrm>
+          <a:off x="3594100" y="3063240"/>
+          <a:ext cx="4549780" cy="365760"/>
+        </p:xfrm>
+        <a:graphic>
+          <a:graphicData uri="http://schemas.openxmlformats.org/drawingml/2006/table">
+            <a:tbl>
+              <a:tblPr firstRow="1" bandRow="1">
+                <a:tableStyleId>{5C22544A-7EE6-4342-B048-85BDC9FD1C3A}</a:tableStyleId>
+              </a:tblPr>
+              <a:tblGrid>
+                <a:gridCol w="454978">
+                  <a:extLst>
+                    <a:ext uri="{9D8B030D-6E8A-4147-A177-3AD203B41FA5}">
+                      <a16:colId xmlns:a16="http://schemas.microsoft.com/office/drawing/2014/main" val="156092059"/>
+                    </a:ext>
+                  </a:extLst>
+                </a:gridCol>
+                <a:gridCol w="454978">
+                  <a:extLst>
+                    <a:ext uri="{9D8B030D-6E8A-4147-A177-3AD203B41FA5}">
+                      <a16:colId xmlns:a16="http://schemas.microsoft.com/office/drawing/2014/main" val="745870297"/>
+                    </a:ext>
+                  </a:extLst>
+                </a:gridCol>
+                <a:gridCol w="454978">
+                  <a:extLst>
+                    <a:ext uri="{9D8B030D-6E8A-4147-A177-3AD203B41FA5}">
+                      <a16:colId xmlns:a16="http://schemas.microsoft.com/office/drawing/2014/main" val="453705876"/>
+                    </a:ext>
+                  </a:extLst>
+                </a:gridCol>
+                <a:gridCol w="454978">
+                  <a:extLst>
+                    <a:ext uri="{9D8B030D-6E8A-4147-A177-3AD203B41FA5}">
+                      <a16:colId xmlns:a16="http://schemas.microsoft.com/office/drawing/2014/main" val="371340297"/>
+                    </a:ext>
+                  </a:extLst>
+                </a:gridCol>
+                <a:gridCol w="454978">
+                  <a:extLst>
+                    <a:ext uri="{9D8B030D-6E8A-4147-A177-3AD203B41FA5}">
+                      <a16:colId xmlns:a16="http://schemas.microsoft.com/office/drawing/2014/main" val="1337578375"/>
+                    </a:ext>
+                  </a:extLst>
+                </a:gridCol>
+                <a:gridCol w="454978">
+                  <a:extLst>
+                    <a:ext uri="{9D8B030D-6E8A-4147-A177-3AD203B41FA5}">
+                      <a16:colId xmlns:a16="http://schemas.microsoft.com/office/drawing/2014/main" val="625575067"/>
+                    </a:ext>
+                  </a:extLst>
+                </a:gridCol>
+                <a:gridCol w="454978">
+                  <a:extLst>
+                    <a:ext uri="{9D8B030D-6E8A-4147-A177-3AD203B41FA5}">
+                      <a16:colId xmlns:a16="http://schemas.microsoft.com/office/drawing/2014/main" val="53776170"/>
+                    </a:ext>
+                  </a:extLst>
+                </a:gridCol>
+                <a:gridCol w="454978">
+                  <a:extLst>
+                    <a:ext uri="{9D8B030D-6E8A-4147-A177-3AD203B41FA5}">
+                      <a16:colId xmlns:a16="http://schemas.microsoft.com/office/drawing/2014/main" val="3513193082"/>
+                    </a:ext>
+                  </a:extLst>
+                </a:gridCol>
+                <a:gridCol w="454978">
+                  <a:extLst>
+                    <a:ext uri="{9D8B030D-6E8A-4147-A177-3AD203B41FA5}">
+                      <a16:colId xmlns:a16="http://schemas.microsoft.com/office/drawing/2014/main" val="1406824421"/>
+                    </a:ext>
+                  </a:extLst>
+                </a:gridCol>
+                <a:gridCol w="454978">
+                  <a:extLst>
+                    <a:ext uri="{9D8B030D-6E8A-4147-A177-3AD203B41FA5}">
+                      <a16:colId xmlns:a16="http://schemas.microsoft.com/office/drawing/2014/main" val="2009323049"/>
+                    </a:ext>
+                  </a:extLst>
+                </a:gridCol>
+              </a:tblGrid>
+              <a:tr h="347134">
+                <a:tc>
+                  <a:txBody>
+                    <a:bodyPr/>
+                    <a:lstStyle/>
+                    <a:p>
+                      <a:endParaRPr lang="zh-CN" altLang="en-US" dirty="0"/>
+                    </a:p>
+                  </a:txBody>
+                  <a:tcPr>
+                    <a:solidFill>
+                      <a:srgbClr val="00B050"/>
+                    </a:solidFill>
+                  </a:tcPr>
+                </a:tc>
+                <a:tc>
+                  <a:txBody>
+                    <a:bodyPr/>
+                    <a:lstStyle/>
+                    <a:p>
+                      <a:endParaRPr lang="zh-CN" altLang="en-US"/>
+                    </a:p>
+                  </a:txBody>
+                  <a:tcPr>
+                    <a:solidFill>
+                      <a:srgbClr val="00B050"/>
+                    </a:solidFill>
+                  </a:tcPr>
+                </a:tc>
+                <a:tc>
+                  <a:txBody>
+                    <a:bodyPr/>
+                    <a:lstStyle/>
+                    <a:p>
+                      <a:endParaRPr lang="zh-CN" altLang="en-US"/>
+                    </a:p>
+                  </a:txBody>
+                  <a:tcPr>
+                    <a:solidFill>
+                      <a:srgbClr val="00B050"/>
+                    </a:solidFill>
+                  </a:tcPr>
+                </a:tc>
+                <a:tc>
+                  <a:txBody>
+                    <a:bodyPr/>
+                    <a:lstStyle/>
+                    <a:p>
+                      <a:endParaRPr lang="zh-CN" altLang="en-US"/>
+                    </a:p>
+                  </a:txBody>
+                  <a:tcPr>
+                    <a:solidFill>
+                      <a:srgbClr val="00B050"/>
+                    </a:solidFill>
+                  </a:tcPr>
+                </a:tc>
+                <a:tc>
+                  <a:txBody>
+                    <a:bodyPr/>
+                    <a:lstStyle/>
+                    <a:p>
+                      <a:endParaRPr lang="zh-CN" altLang="en-US" dirty="0"/>
+                    </a:p>
+                  </a:txBody>
+                  <a:tcPr>
+                    <a:solidFill>
+                      <a:srgbClr val="00B050"/>
+                    </a:solidFill>
+                  </a:tcPr>
+                </a:tc>
+                <a:tc>
+                  <a:txBody>
+                    <a:bodyPr/>
+                    <a:lstStyle/>
+                    <a:p>
+                      <a:endParaRPr lang="zh-CN" altLang="en-US" dirty="0"/>
+                    </a:p>
+                  </a:txBody>
+                  <a:tcPr>
+                    <a:solidFill>
+                      <a:srgbClr val="FF0000"/>
+                    </a:solidFill>
+                  </a:tcPr>
+                </a:tc>
+                <a:tc>
+                  <a:txBody>
+                    <a:bodyPr/>
+                    <a:lstStyle/>
+                    <a:p>
+                      <a:endParaRPr lang="zh-CN" altLang="en-US" dirty="0"/>
+                    </a:p>
+                  </a:txBody>
+                  <a:tcPr>
+                    <a:solidFill>
+                      <a:srgbClr val="0070C0"/>
+                    </a:solidFill>
+                  </a:tcPr>
+                </a:tc>
+                <a:tc>
+                  <a:txBody>
+                    <a:bodyPr/>
+                    <a:lstStyle/>
+                    <a:p>
+                      <a:endParaRPr lang="zh-CN" altLang="en-US" dirty="0"/>
+                    </a:p>
+                  </a:txBody>
+                  <a:tcPr>
+                    <a:solidFill>
+                      <a:srgbClr val="0070C0"/>
+                    </a:solidFill>
+                  </a:tcPr>
+                </a:tc>
+                <a:tc>
+                  <a:txBody>
+                    <a:bodyPr/>
+                    <a:lstStyle/>
+                    <a:p>
+                      <a:endParaRPr lang="zh-CN" altLang="en-US" dirty="0"/>
+                    </a:p>
+                  </a:txBody>
+                  <a:tcPr>
+                    <a:solidFill>
+                      <a:srgbClr val="0070C0"/>
+                    </a:solidFill>
+                  </a:tcPr>
+                </a:tc>
+                <a:tc>
+                  <a:txBody>
+                    <a:bodyPr/>
+                    <a:lstStyle/>
+                    <a:p>
+                      <a:endParaRPr lang="zh-CN" altLang="en-US" dirty="0"/>
+                    </a:p>
+                  </a:txBody>
+                  <a:tcPr>
+                    <a:solidFill>
+                      <a:srgbClr val="0070C0"/>
+                    </a:solidFill>
+                  </a:tcPr>
+                </a:tc>
+                <a:extLst>
+                  <a:ext uri="{0D108BD9-81ED-4DB2-BD59-A6C34878D82A}">
+                    <a16:rowId xmlns:a16="http://schemas.microsoft.com/office/drawing/2014/main" val="3363689498"/>
+                  </a:ext>
+                </a:extLst>
+              </a:tr>
+            </a:tbl>
+          </a:graphicData>
+        </a:graphic>
+      </p:graphicFrame>
+      <p:sp>
+        <p:nvSpPr>
+          <p:cNvPr id="6" name="文本框 5">
+            <a:extLst>
+              <a:ext uri="{FF2B5EF4-FFF2-40B4-BE49-F238E27FC236}">
+                <a16:creationId xmlns:a16="http://schemas.microsoft.com/office/drawing/2014/main" id="{586509A1-A028-4F8C-AA00-26E3C70B2B83}"/>
+              </a:ext>
+            </a:extLst>
+          </p:cNvPr>
+          <p:cNvSpPr txBox="1"/>
+          <p:nvPr/>
+        </p:nvSpPr>
+        <p:spPr>
+          <a:xfrm>
+            <a:off x="2000250" y="2191807"/>
+            <a:ext cx="1338828" cy="369332"/>
+          </a:xfrm>
+          <a:prstGeom prst="rect">
+            <a:avLst/>
+          </a:prstGeom>
+          <a:noFill/>
+        </p:spPr>
+        <p:txBody>
+          <a:bodyPr wrap="none" rtlCol="0">
+            <a:spAutoFit/>
+          </a:bodyPr>
+          <a:lstStyle/>
+          <a:p>
+            <a:r>
+              <a:rPr lang="zh-CN" altLang="en-US" dirty="0"/>
+              <a:t>前序遍历：</a:t>
+            </a:r>
+          </a:p>
+        </p:txBody>
+      </p:sp>
+      <p:sp>
+        <p:nvSpPr>
+          <p:cNvPr id="7" name="文本框 6">
+            <a:extLst>
+              <a:ext uri="{FF2B5EF4-FFF2-40B4-BE49-F238E27FC236}">
+                <a16:creationId xmlns:a16="http://schemas.microsoft.com/office/drawing/2014/main" id="{D23045EE-4099-41DD-8828-641EB5301886}"/>
+              </a:ext>
+            </a:extLst>
+          </p:cNvPr>
+          <p:cNvSpPr txBox="1"/>
+          <p:nvPr/>
+        </p:nvSpPr>
+        <p:spPr>
+          <a:xfrm>
+            <a:off x="2000250" y="3059668"/>
+            <a:ext cx="1338828" cy="369332"/>
+          </a:xfrm>
+          <a:prstGeom prst="rect">
+            <a:avLst/>
+          </a:prstGeom>
+          <a:noFill/>
+        </p:spPr>
+        <p:txBody>
+          <a:bodyPr wrap="none" rtlCol="0">
+            <a:spAutoFit/>
+          </a:bodyPr>
+          <a:lstStyle/>
+          <a:p>
+            <a:r>
+              <a:rPr lang="zh-CN" altLang="en-US" dirty="0"/>
+              <a:t>中序遍历：</a:t>
+            </a:r>
+          </a:p>
+        </p:txBody>
+      </p:sp>
+    </p:spTree>
+    <p:extLst>
+      <p:ext uri="{BB962C8B-B14F-4D97-AF65-F5344CB8AC3E}">
+        <p14:creationId xmlns:p14="http://schemas.microsoft.com/office/powerpoint/2010/main" val="2669076618"/>
+      </p:ext>
+    </p:extLst>
+  </p:cSld>
+  <p:clrMapOvr>
+    <a:masterClrMapping/>
+  </p:clrMapOvr>
+</p:sld>
+</file>
+
 <file path=ppt/theme/theme1.xml><?xml version="1.0" encoding="utf-8"?>
 <a:theme xmlns:a="http://schemas.openxmlformats.org/drawingml/2006/main" name="Office 主题​​">
   <a:themeElements>
@@ -10274,7 +10881,7 @@
         <a:sysClr val="windowText" lastClr="000000"/>
       </a:dk1>
       <a:lt1>
-        <a:sysClr val="window" lastClr="CCE8CF"/>
+        <a:sysClr val="window" lastClr="FFFFFF"/>
       </a:lt1>
       <a:dk2>
         <a:srgbClr val="44546A"/>

--- a/LeetCode/作图.pptx
+++ b/LeetCode/作图.pptx
@@ -12,6 +12,7 @@
     <p:sldId id="260" r:id="rId6"/>
     <p:sldId id="261" r:id="rId7"/>
     <p:sldId id="262" r:id="rId8"/>
+    <p:sldId id="263" r:id="rId9"/>
   </p:sldIdLst>
   <p:sldSz cx="12192000" cy="6858000"/>
   <p:notesSz cx="6858000" cy="9144000"/>
@@ -265,7 +266,7 @@
           <a:p>
             <a:fld id="{727FA993-5ABA-4536-842C-15C287F34351}" type="datetimeFigureOut">
               <a:rPr lang="zh-CN" altLang="en-US" smtClean="0"/>
-              <a:t>2020/5/3</a:t>
+              <a:t>2020/5/26</a:t>
             </a:fld>
             <a:endParaRPr lang="zh-CN" altLang="en-US"/>
           </a:p>
@@ -463,7 +464,7 @@
           <a:p>
             <a:fld id="{727FA993-5ABA-4536-842C-15C287F34351}" type="datetimeFigureOut">
               <a:rPr lang="zh-CN" altLang="en-US" smtClean="0"/>
-              <a:t>2020/5/3</a:t>
+              <a:t>2020/5/26</a:t>
             </a:fld>
             <a:endParaRPr lang="zh-CN" altLang="en-US"/>
           </a:p>
@@ -671,7 +672,7 @@
           <a:p>
             <a:fld id="{727FA993-5ABA-4536-842C-15C287F34351}" type="datetimeFigureOut">
               <a:rPr lang="zh-CN" altLang="en-US" smtClean="0"/>
-              <a:t>2020/5/3</a:t>
+              <a:t>2020/5/26</a:t>
             </a:fld>
             <a:endParaRPr lang="zh-CN" altLang="en-US"/>
           </a:p>
@@ -869,7 +870,7 @@
           <a:p>
             <a:fld id="{727FA993-5ABA-4536-842C-15C287F34351}" type="datetimeFigureOut">
               <a:rPr lang="zh-CN" altLang="en-US" smtClean="0"/>
-              <a:t>2020/5/3</a:t>
+              <a:t>2020/5/26</a:t>
             </a:fld>
             <a:endParaRPr lang="zh-CN" altLang="en-US"/>
           </a:p>
@@ -1144,7 +1145,7 @@
           <a:p>
             <a:fld id="{727FA993-5ABA-4536-842C-15C287F34351}" type="datetimeFigureOut">
               <a:rPr lang="zh-CN" altLang="en-US" smtClean="0"/>
-              <a:t>2020/5/3</a:t>
+              <a:t>2020/5/26</a:t>
             </a:fld>
             <a:endParaRPr lang="zh-CN" altLang="en-US"/>
           </a:p>
@@ -1409,7 +1410,7 @@
           <a:p>
             <a:fld id="{727FA993-5ABA-4536-842C-15C287F34351}" type="datetimeFigureOut">
               <a:rPr lang="zh-CN" altLang="en-US" smtClean="0"/>
-              <a:t>2020/5/3</a:t>
+              <a:t>2020/5/26</a:t>
             </a:fld>
             <a:endParaRPr lang="zh-CN" altLang="en-US"/>
           </a:p>
@@ -1821,7 +1822,7 @@
           <a:p>
             <a:fld id="{727FA993-5ABA-4536-842C-15C287F34351}" type="datetimeFigureOut">
               <a:rPr lang="zh-CN" altLang="en-US" smtClean="0"/>
-              <a:t>2020/5/3</a:t>
+              <a:t>2020/5/26</a:t>
             </a:fld>
             <a:endParaRPr lang="zh-CN" altLang="en-US"/>
           </a:p>
@@ -1962,7 +1963,7 @@
           <a:p>
             <a:fld id="{727FA993-5ABA-4536-842C-15C287F34351}" type="datetimeFigureOut">
               <a:rPr lang="zh-CN" altLang="en-US" smtClean="0"/>
-              <a:t>2020/5/3</a:t>
+              <a:t>2020/5/26</a:t>
             </a:fld>
             <a:endParaRPr lang="zh-CN" altLang="en-US"/>
           </a:p>
@@ -2075,7 +2076,7 @@
           <a:p>
             <a:fld id="{727FA993-5ABA-4536-842C-15C287F34351}" type="datetimeFigureOut">
               <a:rPr lang="zh-CN" altLang="en-US" smtClean="0"/>
-              <a:t>2020/5/3</a:t>
+              <a:t>2020/5/26</a:t>
             </a:fld>
             <a:endParaRPr lang="zh-CN" altLang="en-US"/>
           </a:p>
@@ -2386,7 +2387,7 @@
           <a:p>
             <a:fld id="{727FA993-5ABA-4536-842C-15C287F34351}" type="datetimeFigureOut">
               <a:rPr lang="zh-CN" altLang="en-US" smtClean="0"/>
-              <a:t>2020/5/3</a:t>
+              <a:t>2020/5/26</a:t>
             </a:fld>
             <a:endParaRPr lang="zh-CN" altLang="en-US"/>
           </a:p>
@@ -2674,7 +2675,7 @@
           <a:p>
             <a:fld id="{727FA993-5ABA-4536-842C-15C287F34351}" type="datetimeFigureOut">
               <a:rPr lang="zh-CN" altLang="en-US" smtClean="0"/>
-              <a:t>2020/5/3</a:t>
+              <a:t>2020/5/26</a:t>
             </a:fld>
             <a:endParaRPr lang="zh-CN" altLang="en-US"/>
           </a:p>
@@ -2915,7 +2916,7 @@
           <a:p>
             <a:fld id="{727FA993-5ABA-4536-842C-15C287F34351}" type="datetimeFigureOut">
               <a:rPr lang="zh-CN" altLang="en-US" smtClean="0"/>
-              <a:t>2020/5/3</a:t>
+              <a:t>2020/5/26</a:t>
             </a:fld>
             <a:endParaRPr lang="zh-CN" altLang="en-US"/>
           </a:p>
@@ -10873,6 +10874,1151 @@
 </p:sld>
 </file>
 
+<file path=ppt/slides/slide8.xml><?xml version="1.0" encoding="utf-8"?>
+<p:sld xmlns:a="http://schemas.openxmlformats.org/drawingml/2006/main" xmlns:r="http://schemas.openxmlformats.org/officeDocument/2006/relationships" xmlns:p="http://schemas.openxmlformats.org/presentationml/2006/main">
+  <p:cSld>
+    <p:spTree>
+      <p:nvGrpSpPr>
+        <p:cNvPr id="1" name=""/>
+        <p:cNvGrpSpPr/>
+        <p:nvPr/>
+      </p:nvGrpSpPr>
+      <p:grpSpPr>
+        <a:xfrm>
+          <a:off x="0" y="0"/>
+          <a:ext cx="0" cy="0"/>
+          <a:chOff x="0" y="0"/>
+          <a:chExt cx="0" cy="0"/>
+        </a:xfrm>
+      </p:grpSpPr>
+      <p:graphicFrame>
+        <p:nvGraphicFramePr>
+          <p:cNvPr id="4" name="表格 3">
+            <a:extLst>
+              <a:ext uri="{FF2B5EF4-FFF2-40B4-BE49-F238E27FC236}">
+                <a16:creationId xmlns:a16="http://schemas.microsoft.com/office/drawing/2014/main" id="{920C2476-EC9B-4F16-A584-20AC7FBBD520}"/>
+              </a:ext>
+            </a:extLst>
+          </p:cNvPr>
+          <p:cNvGraphicFramePr>
+            <a:graphicFrameLocks noGrp="1"/>
+          </p:cNvGraphicFramePr>
+          <p:nvPr>
+            <p:extLst>
+              <p:ext uri="{D42A27DB-BD31-4B8C-83A1-F6EECF244321}">
+                <p14:modId xmlns:p14="http://schemas.microsoft.com/office/powerpoint/2010/main" val="3448243427"/>
+              </p:ext>
+            </p:extLst>
+          </p:nvPr>
+        </p:nvGraphicFramePr>
+        <p:xfrm>
+          <a:off x="5175250" y="719666"/>
+          <a:ext cx="1568451" cy="737660"/>
+        </p:xfrm>
+        <a:graphic>
+          <a:graphicData uri="http://schemas.openxmlformats.org/drawingml/2006/table">
+            <a:tbl>
+              <a:tblPr firstRow="1" bandRow="1">
+                <a:tableStyleId>{5C22544A-7EE6-4342-B048-85BDC9FD1C3A}</a:tableStyleId>
+              </a:tblPr>
+              <a:tblGrid>
+                <a:gridCol w="522817">
+                  <a:extLst>
+                    <a:ext uri="{9D8B030D-6E8A-4147-A177-3AD203B41FA5}">
+                      <a16:colId xmlns:a16="http://schemas.microsoft.com/office/drawing/2014/main" val="3339990464"/>
+                    </a:ext>
+                  </a:extLst>
+                </a:gridCol>
+                <a:gridCol w="522817">
+                  <a:extLst>
+                    <a:ext uri="{9D8B030D-6E8A-4147-A177-3AD203B41FA5}">
+                      <a16:colId xmlns:a16="http://schemas.microsoft.com/office/drawing/2014/main" val="374767181"/>
+                    </a:ext>
+                  </a:extLst>
+                </a:gridCol>
+                <a:gridCol w="522817">
+                  <a:extLst>
+                    <a:ext uri="{9D8B030D-6E8A-4147-A177-3AD203B41FA5}">
+                      <a16:colId xmlns:a16="http://schemas.microsoft.com/office/drawing/2014/main" val="784701544"/>
+                    </a:ext>
+                  </a:extLst>
+                </a:gridCol>
+              </a:tblGrid>
+              <a:tr h="368830">
+                <a:tc>
+                  <a:txBody>
+                    <a:bodyPr/>
+                    <a:lstStyle/>
+                    <a:p>
+                      <a:pPr algn="ctr"/>
+                      <a:r>
+                        <a:rPr lang="en-US" altLang="zh-CN" b="1" dirty="0">
+                          <a:solidFill>
+                            <a:schemeClr val="tx1"/>
+                          </a:solidFill>
+                        </a:rPr>
+                        <a:t>4</a:t>
+                      </a:r>
+                      <a:endParaRPr lang="zh-CN" altLang="en-US" b="1" dirty="0">
+                        <a:solidFill>
+                          <a:schemeClr val="tx1"/>
+                        </a:solidFill>
+                      </a:endParaRPr>
+                    </a:p>
+                  </a:txBody>
+                  <a:tcPr>
+                    <a:solidFill>
+                      <a:schemeClr val="accent1">
+                        <a:lumMod val="40000"/>
+                        <a:lumOff val="60000"/>
+                      </a:schemeClr>
+                    </a:solidFill>
+                  </a:tcPr>
+                </a:tc>
+                <a:tc>
+                  <a:txBody>
+                    <a:bodyPr/>
+                    <a:lstStyle/>
+                    <a:p>
+                      <a:pPr algn="ctr"/>
+                      <a:r>
+                        <a:rPr lang="en-US" altLang="zh-CN" b="1" dirty="0">
+                          <a:solidFill>
+                            <a:schemeClr val="tx1"/>
+                          </a:solidFill>
+                        </a:rPr>
+                        <a:t>1</a:t>
+                      </a:r>
+                      <a:endParaRPr lang="zh-CN" altLang="en-US" b="1" dirty="0">
+                        <a:solidFill>
+                          <a:schemeClr val="tx1"/>
+                        </a:solidFill>
+                      </a:endParaRPr>
+                    </a:p>
+                  </a:txBody>
+                  <a:tcPr>
+                    <a:solidFill>
+                      <a:schemeClr val="accent1">
+                        <a:lumMod val="40000"/>
+                        <a:lumOff val="60000"/>
+                      </a:schemeClr>
+                    </a:solidFill>
+                  </a:tcPr>
+                </a:tc>
+                <a:tc>
+                  <a:txBody>
+                    <a:bodyPr/>
+                    <a:lstStyle/>
+                    <a:p>
+                      <a:pPr algn="ctr"/>
+                      <a:r>
+                        <a:rPr lang="en-US" altLang="zh-CN" b="1" dirty="0">
+                          <a:solidFill>
+                            <a:schemeClr val="tx1"/>
+                          </a:solidFill>
+                        </a:rPr>
+                        <a:t>2</a:t>
+                      </a:r>
+                      <a:endParaRPr lang="zh-CN" altLang="en-US" b="1" dirty="0">
+                        <a:solidFill>
+                          <a:schemeClr val="tx1"/>
+                        </a:solidFill>
+                      </a:endParaRPr>
+                    </a:p>
+                  </a:txBody>
+                  <a:tcPr>
+                    <a:solidFill>
+                      <a:schemeClr val="accent1">
+                        <a:lumMod val="40000"/>
+                        <a:lumOff val="60000"/>
+                      </a:schemeClr>
+                    </a:solidFill>
+                  </a:tcPr>
+                </a:tc>
+                <a:extLst>
+                  <a:ext uri="{0D108BD9-81ED-4DB2-BD59-A6C34878D82A}">
+                    <a16:rowId xmlns:a16="http://schemas.microsoft.com/office/drawing/2014/main" val="4282265295"/>
+                  </a:ext>
+                </a:extLst>
+              </a:tr>
+              <a:tr h="368830">
+                <a:tc>
+                  <a:txBody>
+                    <a:bodyPr/>
+                    <a:lstStyle/>
+                    <a:p>
+                      <a:pPr algn="ctr"/>
+                      <a:r>
+                        <a:rPr lang="en-US" altLang="zh-CN" b="1" dirty="0">
+                          <a:solidFill>
+                            <a:schemeClr val="tx1"/>
+                          </a:solidFill>
+                        </a:rPr>
+                        <a:t>5</a:t>
+                      </a:r>
+                      <a:endParaRPr lang="zh-CN" altLang="en-US" b="1" dirty="0">
+                        <a:solidFill>
+                          <a:schemeClr val="tx1"/>
+                        </a:solidFill>
+                      </a:endParaRPr>
+                    </a:p>
+                  </a:txBody>
+                  <a:tcPr>
+                    <a:solidFill>
+                      <a:schemeClr val="accent1">
+                        <a:lumMod val="40000"/>
+                        <a:lumOff val="60000"/>
+                      </a:schemeClr>
+                    </a:solidFill>
+                  </a:tcPr>
+                </a:tc>
+                <a:tc>
+                  <a:txBody>
+                    <a:bodyPr/>
+                    <a:lstStyle/>
+                    <a:p>
+                      <a:pPr algn="ctr"/>
+                      <a:r>
+                        <a:rPr lang="en-US" altLang="zh-CN" b="1" dirty="0">
+                          <a:solidFill>
+                            <a:schemeClr val="tx1"/>
+                          </a:solidFill>
+                        </a:rPr>
+                        <a:t>0</a:t>
+                      </a:r>
+                      <a:endParaRPr lang="zh-CN" altLang="en-US" b="1" dirty="0">
+                        <a:solidFill>
+                          <a:schemeClr val="tx1"/>
+                        </a:solidFill>
+                      </a:endParaRPr>
+                    </a:p>
+                  </a:txBody>
+                  <a:tcPr>
+                    <a:solidFill>
+                      <a:srgbClr val="92D050"/>
+                    </a:solidFill>
+                  </a:tcPr>
+                </a:tc>
+                <a:tc>
+                  <a:txBody>
+                    <a:bodyPr/>
+                    <a:lstStyle/>
+                    <a:p>
+                      <a:pPr algn="ctr"/>
+                      <a:r>
+                        <a:rPr lang="en-US" altLang="zh-CN" b="1" dirty="0">
+                          <a:solidFill>
+                            <a:schemeClr val="tx1"/>
+                          </a:solidFill>
+                        </a:rPr>
+                        <a:t>3</a:t>
+                      </a:r>
+                      <a:endParaRPr lang="zh-CN" altLang="en-US" b="1" dirty="0">
+                        <a:solidFill>
+                          <a:schemeClr val="tx1"/>
+                        </a:solidFill>
+                      </a:endParaRPr>
+                    </a:p>
+                  </a:txBody>
+                  <a:tcPr>
+                    <a:solidFill>
+                      <a:schemeClr val="accent1">
+                        <a:lumMod val="40000"/>
+                        <a:lumOff val="60000"/>
+                      </a:schemeClr>
+                    </a:solidFill>
+                  </a:tcPr>
+                </a:tc>
+                <a:extLst>
+                  <a:ext uri="{0D108BD9-81ED-4DB2-BD59-A6C34878D82A}">
+                    <a16:rowId xmlns:a16="http://schemas.microsoft.com/office/drawing/2014/main" val="4260101020"/>
+                  </a:ext>
+                </a:extLst>
+              </a:tr>
+            </a:tbl>
+          </a:graphicData>
+        </a:graphic>
+      </p:graphicFrame>
+      <p:graphicFrame>
+        <p:nvGraphicFramePr>
+          <p:cNvPr id="6" name="表格 5">
+            <a:extLst>
+              <a:ext uri="{FF2B5EF4-FFF2-40B4-BE49-F238E27FC236}">
+                <a16:creationId xmlns:a16="http://schemas.microsoft.com/office/drawing/2014/main" id="{D9C75FD0-02E1-4F89-B42C-5152F3F44E9D}"/>
+              </a:ext>
+            </a:extLst>
+          </p:cNvPr>
+          <p:cNvGraphicFramePr>
+            <a:graphicFrameLocks noGrp="1"/>
+          </p:cNvGraphicFramePr>
+          <p:nvPr>
+            <p:extLst>
+              <p:ext uri="{D42A27DB-BD31-4B8C-83A1-F6EECF244321}">
+                <p14:modId xmlns:p14="http://schemas.microsoft.com/office/powerpoint/2010/main" val="1311048451"/>
+              </p:ext>
+            </p:extLst>
+          </p:nvPr>
+        </p:nvGraphicFramePr>
+        <p:xfrm>
+          <a:off x="7480300" y="2519891"/>
+          <a:ext cx="1568451" cy="737660"/>
+        </p:xfrm>
+        <a:graphic>
+          <a:graphicData uri="http://schemas.openxmlformats.org/drawingml/2006/table">
+            <a:tbl>
+              <a:tblPr firstRow="1" bandRow="1">
+                <a:tableStyleId>{5C22544A-7EE6-4342-B048-85BDC9FD1C3A}</a:tableStyleId>
+              </a:tblPr>
+              <a:tblGrid>
+                <a:gridCol w="522817">
+                  <a:extLst>
+                    <a:ext uri="{9D8B030D-6E8A-4147-A177-3AD203B41FA5}">
+                      <a16:colId xmlns:a16="http://schemas.microsoft.com/office/drawing/2014/main" val="3339990464"/>
+                    </a:ext>
+                  </a:extLst>
+                </a:gridCol>
+                <a:gridCol w="522817">
+                  <a:extLst>
+                    <a:ext uri="{9D8B030D-6E8A-4147-A177-3AD203B41FA5}">
+                      <a16:colId xmlns:a16="http://schemas.microsoft.com/office/drawing/2014/main" val="374767181"/>
+                    </a:ext>
+                  </a:extLst>
+                </a:gridCol>
+                <a:gridCol w="522817">
+                  <a:extLst>
+                    <a:ext uri="{9D8B030D-6E8A-4147-A177-3AD203B41FA5}">
+                      <a16:colId xmlns:a16="http://schemas.microsoft.com/office/drawing/2014/main" val="784701544"/>
+                    </a:ext>
+                  </a:extLst>
+                </a:gridCol>
+              </a:tblGrid>
+              <a:tr h="368830">
+                <a:tc>
+                  <a:txBody>
+                    <a:bodyPr/>
+                    <a:lstStyle/>
+                    <a:p>
+                      <a:pPr algn="ctr"/>
+                      <a:r>
+                        <a:rPr lang="en-US" altLang="zh-CN" b="1" dirty="0">
+                          <a:solidFill>
+                            <a:schemeClr val="tx1"/>
+                          </a:solidFill>
+                        </a:rPr>
+                        <a:t>4</a:t>
+                      </a:r>
+                      <a:endParaRPr lang="zh-CN" altLang="en-US" b="1" dirty="0">
+                        <a:solidFill>
+                          <a:schemeClr val="tx1"/>
+                        </a:solidFill>
+                      </a:endParaRPr>
+                    </a:p>
+                  </a:txBody>
+                  <a:tcPr>
+                    <a:solidFill>
+                      <a:schemeClr val="accent1">
+                        <a:lumMod val="40000"/>
+                        <a:lumOff val="60000"/>
+                      </a:schemeClr>
+                    </a:solidFill>
+                  </a:tcPr>
+                </a:tc>
+                <a:tc>
+                  <a:txBody>
+                    <a:bodyPr/>
+                    <a:lstStyle/>
+                    <a:p>
+                      <a:pPr algn="ctr"/>
+                      <a:r>
+                        <a:rPr lang="en-US" altLang="zh-CN" b="1" dirty="0">
+                          <a:solidFill>
+                            <a:schemeClr val="tx1"/>
+                          </a:solidFill>
+                        </a:rPr>
+                        <a:t>1</a:t>
+                      </a:r>
+                      <a:endParaRPr lang="zh-CN" altLang="en-US" b="1" dirty="0">
+                        <a:solidFill>
+                          <a:schemeClr val="tx1"/>
+                        </a:solidFill>
+                      </a:endParaRPr>
+                    </a:p>
+                  </a:txBody>
+                  <a:tcPr>
+                    <a:solidFill>
+                      <a:schemeClr val="accent1">
+                        <a:lumMod val="40000"/>
+                        <a:lumOff val="60000"/>
+                      </a:schemeClr>
+                    </a:solidFill>
+                  </a:tcPr>
+                </a:tc>
+                <a:tc>
+                  <a:txBody>
+                    <a:bodyPr/>
+                    <a:lstStyle/>
+                    <a:p>
+                      <a:pPr algn="ctr"/>
+                      <a:r>
+                        <a:rPr lang="en-US" altLang="zh-CN" b="1" dirty="0">
+                          <a:solidFill>
+                            <a:schemeClr val="tx1"/>
+                          </a:solidFill>
+                        </a:rPr>
+                        <a:t>2</a:t>
+                      </a:r>
+                      <a:endParaRPr lang="zh-CN" altLang="en-US" b="1" dirty="0">
+                        <a:solidFill>
+                          <a:schemeClr val="tx1"/>
+                        </a:solidFill>
+                      </a:endParaRPr>
+                    </a:p>
+                  </a:txBody>
+                  <a:tcPr>
+                    <a:solidFill>
+                      <a:schemeClr val="accent1">
+                        <a:lumMod val="40000"/>
+                        <a:lumOff val="60000"/>
+                      </a:schemeClr>
+                    </a:solidFill>
+                  </a:tcPr>
+                </a:tc>
+                <a:extLst>
+                  <a:ext uri="{0D108BD9-81ED-4DB2-BD59-A6C34878D82A}">
+                    <a16:rowId xmlns:a16="http://schemas.microsoft.com/office/drawing/2014/main" val="4282265295"/>
+                  </a:ext>
+                </a:extLst>
+              </a:tr>
+              <a:tr h="368830">
+                <a:tc>
+                  <a:txBody>
+                    <a:bodyPr/>
+                    <a:lstStyle/>
+                    <a:p>
+                      <a:pPr algn="ctr"/>
+                      <a:r>
+                        <a:rPr lang="en-US" altLang="zh-CN" b="1" dirty="0">
+                          <a:solidFill>
+                            <a:schemeClr val="tx1"/>
+                          </a:solidFill>
+                        </a:rPr>
+                        <a:t>5</a:t>
+                      </a:r>
+                      <a:endParaRPr lang="zh-CN" altLang="en-US" b="1" dirty="0">
+                        <a:solidFill>
+                          <a:schemeClr val="tx1"/>
+                        </a:solidFill>
+                      </a:endParaRPr>
+                    </a:p>
+                  </a:txBody>
+                  <a:tcPr>
+                    <a:solidFill>
+                      <a:schemeClr val="accent1">
+                        <a:lumMod val="40000"/>
+                        <a:lumOff val="60000"/>
+                      </a:schemeClr>
+                    </a:solidFill>
+                  </a:tcPr>
+                </a:tc>
+                <a:tc>
+                  <a:txBody>
+                    <a:bodyPr/>
+                    <a:lstStyle/>
+                    <a:p>
+                      <a:pPr algn="ctr"/>
+                      <a:r>
+                        <a:rPr lang="en-US" altLang="zh-CN" b="1" dirty="0">
+                          <a:solidFill>
+                            <a:schemeClr val="tx1"/>
+                          </a:solidFill>
+                        </a:rPr>
+                        <a:t>3</a:t>
+                      </a:r>
+                      <a:endParaRPr lang="zh-CN" altLang="en-US" b="1" dirty="0">
+                        <a:solidFill>
+                          <a:schemeClr val="tx1"/>
+                        </a:solidFill>
+                      </a:endParaRPr>
+                    </a:p>
+                  </a:txBody>
+                  <a:tcPr>
+                    <a:solidFill>
+                      <a:schemeClr val="accent1">
+                        <a:lumMod val="40000"/>
+                        <a:lumOff val="60000"/>
+                      </a:schemeClr>
+                    </a:solidFill>
+                  </a:tcPr>
+                </a:tc>
+                <a:tc>
+                  <a:txBody>
+                    <a:bodyPr/>
+                    <a:lstStyle/>
+                    <a:p>
+                      <a:pPr algn="ctr"/>
+                      <a:r>
+                        <a:rPr lang="en-US" altLang="zh-CN" b="1" dirty="0">
+                          <a:solidFill>
+                            <a:schemeClr val="tx1"/>
+                          </a:solidFill>
+                        </a:rPr>
+                        <a:t>0</a:t>
+                      </a:r>
+                      <a:endParaRPr lang="zh-CN" altLang="en-US" b="1" dirty="0">
+                        <a:solidFill>
+                          <a:schemeClr val="tx1"/>
+                        </a:solidFill>
+                      </a:endParaRPr>
+                    </a:p>
+                  </a:txBody>
+                  <a:tcPr>
+                    <a:solidFill>
+                      <a:srgbClr val="92D050"/>
+                    </a:solidFill>
+                  </a:tcPr>
+                </a:tc>
+                <a:extLst>
+                  <a:ext uri="{0D108BD9-81ED-4DB2-BD59-A6C34878D82A}">
+                    <a16:rowId xmlns:a16="http://schemas.microsoft.com/office/drawing/2014/main" val="4260101020"/>
+                  </a:ext>
+                </a:extLst>
+              </a:tr>
+            </a:tbl>
+          </a:graphicData>
+        </a:graphic>
+      </p:graphicFrame>
+      <p:graphicFrame>
+        <p:nvGraphicFramePr>
+          <p:cNvPr id="7" name="表格 6">
+            <a:extLst>
+              <a:ext uri="{FF2B5EF4-FFF2-40B4-BE49-F238E27FC236}">
+                <a16:creationId xmlns:a16="http://schemas.microsoft.com/office/drawing/2014/main" id="{FA30757E-E57F-4481-A4E2-A64B577CD3DE}"/>
+              </a:ext>
+            </a:extLst>
+          </p:cNvPr>
+          <p:cNvGraphicFramePr>
+            <a:graphicFrameLocks noGrp="1"/>
+          </p:cNvGraphicFramePr>
+          <p:nvPr>
+            <p:extLst>
+              <p:ext uri="{D42A27DB-BD31-4B8C-83A1-F6EECF244321}">
+                <p14:modId xmlns:p14="http://schemas.microsoft.com/office/powerpoint/2010/main" val="2885883580"/>
+              </p:ext>
+            </p:extLst>
+          </p:nvPr>
+        </p:nvGraphicFramePr>
+        <p:xfrm>
+          <a:off x="2870200" y="2519892"/>
+          <a:ext cx="1568451" cy="737660"/>
+        </p:xfrm>
+        <a:graphic>
+          <a:graphicData uri="http://schemas.openxmlformats.org/drawingml/2006/table">
+            <a:tbl>
+              <a:tblPr firstRow="1" bandRow="1">
+                <a:tableStyleId>{5C22544A-7EE6-4342-B048-85BDC9FD1C3A}</a:tableStyleId>
+              </a:tblPr>
+              <a:tblGrid>
+                <a:gridCol w="522817">
+                  <a:extLst>
+                    <a:ext uri="{9D8B030D-6E8A-4147-A177-3AD203B41FA5}">
+                      <a16:colId xmlns:a16="http://schemas.microsoft.com/office/drawing/2014/main" val="3339990464"/>
+                    </a:ext>
+                  </a:extLst>
+                </a:gridCol>
+                <a:gridCol w="522817">
+                  <a:extLst>
+                    <a:ext uri="{9D8B030D-6E8A-4147-A177-3AD203B41FA5}">
+                      <a16:colId xmlns:a16="http://schemas.microsoft.com/office/drawing/2014/main" val="374767181"/>
+                    </a:ext>
+                  </a:extLst>
+                </a:gridCol>
+                <a:gridCol w="522817">
+                  <a:extLst>
+                    <a:ext uri="{9D8B030D-6E8A-4147-A177-3AD203B41FA5}">
+                      <a16:colId xmlns:a16="http://schemas.microsoft.com/office/drawing/2014/main" val="784701544"/>
+                    </a:ext>
+                  </a:extLst>
+                </a:gridCol>
+              </a:tblGrid>
+              <a:tr h="368830">
+                <a:tc>
+                  <a:txBody>
+                    <a:bodyPr/>
+                    <a:lstStyle/>
+                    <a:p>
+                      <a:pPr algn="ctr"/>
+                      <a:r>
+                        <a:rPr lang="en-US" altLang="zh-CN" b="1" dirty="0">
+                          <a:solidFill>
+                            <a:schemeClr val="tx1"/>
+                          </a:solidFill>
+                        </a:rPr>
+                        <a:t>4</a:t>
+                      </a:r>
+                      <a:endParaRPr lang="zh-CN" altLang="en-US" b="1" dirty="0">
+                        <a:solidFill>
+                          <a:schemeClr val="tx1"/>
+                        </a:solidFill>
+                      </a:endParaRPr>
+                    </a:p>
+                  </a:txBody>
+                  <a:tcPr>
+                    <a:solidFill>
+                      <a:schemeClr val="accent1">
+                        <a:lumMod val="40000"/>
+                        <a:lumOff val="60000"/>
+                      </a:schemeClr>
+                    </a:solidFill>
+                  </a:tcPr>
+                </a:tc>
+                <a:tc>
+                  <a:txBody>
+                    <a:bodyPr/>
+                    <a:lstStyle/>
+                    <a:p>
+                      <a:pPr algn="ctr"/>
+                      <a:r>
+                        <a:rPr lang="en-US" altLang="zh-CN" b="1" dirty="0">
+                          <a:solidFill>
+                            <a:schemeClr val="tx1"/>
+                          </a:solidFill>
+                        </a:rPr>
+                        <a:t>1</a:t>
+                      </a:r>
+                      <a:endParaRPr lang="zh-CN" altLang="en-US" b="1" dirty="0">
+                        <a:solidFill>
+                          <a:schemeClr val="tx1"/>
+                        </a:solidFill>
+                      </a:endParaRPr>
+                    </a:p>
+                  </a:txBody>
+                  <a:tcPr>
+                    <a:solidFill>
+                      <a:schemeClr val="accent1">
+                        <a:lumMod val="40000"/>
+                        <a:lumOff val="60000"/>
+                      </a:schemeClr>
+                    </a:solidFill>
+                  </a:tcPr>
+                </a:tc>
+                <a:tc>
+                  <a:txBody>
+                    <a:bodyPr/>
+                    <a:lstStyle/>
+                    <a:p>
+                      <a:pPr algn="ctr"/>
+                      <a:r>
+                        <a:rPr lang="en-US" altLang="zh-CN" b="1" dirty="0">
+                          <a:solidFill>
+                            <a:schemeClr val="tx1"/>
+                          </a:solidFill>
+                        </a:rPr>
+                        <a:t>2</a:t>
+                      </a:r>
+                      <a:endParaRPr lang="zh-CN" altLang="en-US" b="1" dirty="0">
+                        <a:solidFill>
+                          <a:schemeClr val="tx1"/>
+                        </a:solidFill>
+                      </a:endParaRPr>
+                    </a:p>
+                  </a:txBody>
+                  <a:tcPr>
+                    <a:solidFill>
+                      <a:schemeClr val="accent1">
+                        <a:lumMod val="40000"/>
+                        <a:lumOff val="60000"/>
+                      </a:schemeClr>
+                    </a:solidFill>
+                  </a:tcPr>
+                </a:tc>
+                <a:extLst>
+                  <a:ext uri="{0D108BD9-81ED-4DB2-BD59-A6C34878D82A}">
+                    <a16:rowId xmlns:a16="http://schemas.microsoft.com/office/drawing/2014/main" val="4282265295"/>
+                  </a:ext>
+                </a:extLst>
+              </a:tr>
+              <a:tr h="368830">
+                <a:tc>
+                  <a:txBody>
+                    <a:bodyPr/>
+                    <a:lstStyle/>
+                    <a:p>
+                      <a:pPr algn="ctr"/>
+                      <a:r>
+                        <a:rPr lang="en-US" altLang="zh-CN" b="1" dirty="0">
+                          <a:solidFill>
+                            <a:schemeClr val="tx1"/>
+                          </a:solidFill>
+                        </a:rPr>
+                        <a:t>0</a:t>
+                      </a:r>
+                      <a:endParaRPr lang="zh-CN" altLang="en-US" b="1" dirty="0">
+                        <a:solidFill>
+                          <a:schemeClr val="tx1"/>
+                        </a:solidFill>
+                      </a:endParaRPr>
+                    </a:p>
+                  </a:txBody>
+                  <a:tcPr>
+                    <a:solidFill>
+                      <a:srgbClr val="92D050"/>
+                    </a:solidFill>
+                  </a:tcPr>
+                </a:tc>
+                <a:tc>
+                  <a:txBody>
+                    <a:bodyPr/>
+                    <a:lstStyle/>
+                    <a:p>
+                      <a:pPr algn="ctr"/>
+                      <a:r>
+                        <a:rPr lang="en-US" altLang="zh-CN" b="1" dirty="0">
+                          <a:solidFill>
+                            <a:schemeClr val="tx1"/>
+                          </a:solidFill>
+                        </a:rPr>
+                        <a:t>5</a:t>
+                      </a:r>
+                      <a:endParaRPr lang="zh-CN" altLang="en-US" b="1" dirty="0">
+                        <a:solidFill>
+                          <a:schemeClr val="tx1"/>
+                        </a:solidFill>
+                      </a:endParaRPr>
+                    </a:p>
+                  </a:txBody>
+                  <a:tcPr>
+                    <a:solidFill>
+                      <a:schemeClr val="accent1">
+                        <a:lumMod val="40000"/>
+                        <a:lumOff val="60000"/>
+                      </a:schemeClr>
+                    </a:solidFill>
+                  </a:tcPr>
+                </a:tc>
+                <a:tc>
+                  <a:txBody>
+                    <a:bodyPr/>
+                    <a:lstStyle/>
+                    <a:p>
+                      <a:pPr algn="ctr"/>
+                      <a:r>
+                        <a:rPr lang="en-US" altLang="zh-CN" b="1" dirty="0">
+                          <a:solidFill>
+                            <a:schemeClr val="tx1"/>
+                          </a:solidFill>
+                        </a:rPr>
+                        <a:t>3</a:t>
+                      </a:r>
+                      <a:endParaRPr lang="zh-CN" altLang="en-US" b="1" dirty="0">
+                        <a:solidFill>
+                          <a:schemeClr val="tx1"/>
+                        </a:solidFill>
+                      </a:endParaRPr>
+                    </a:p>
+                  </a:txBody>
+                  <a:tcPr>
+                    <a:solidFill>
+                      <a:schemeClr val="accent1">
+                        <a:lumMod val="40000"/>
+                        <a:lumOff val="60000"/>
+                      </a:schemeClr>
+                    </a:solidFill>
+                  </a:tcPr>
+                </a:tc>
+                <a:extLst>
+                  <a:ext uri="{0D108BD9-81ED-4DB2-BD59-A6C34878D82A}">
+                    <a16:rowId xmlns:a16="http://schemas.microsoft.com/office/drawing/2014/main" val="4260101020"/>
+                  </a:ext>
+                </a:extLst>
+              </a:tr>
+            </a:tbl>
+          </a:graphicData>
+        </a:graphic>
+      </p:graphicFrame>
+      <p:graphicFrame>
+        <p:nvGraphicFramePr>
+          <p:cNvPr id="8" name="表格 7">
+            <a:extLst>
+              <a:ext uri="{FF2B5EF4-FFF2-40B4-BE49-F238E27FC236}">
+                <a16:creationId xmlns:a16="http://schemas.microsoft.com/office/drawing/2014/main" id="{9F31FDB7-2368-4772-8F8E-BC883214FE01}"/>
+              </a:ext>
+            </a:extLst>
+          </p:cNvPr>
+          <p:cNvGraphicFramePr>
+            <a:graphicFrameLocks noGrp="1"/>
+          </p:cNvGraphicFramePr>
+          <p:nvPr>
+            <p:extLst>
+              <p:ext uri="{D42A27DB-BD31-4B8C-83A1-F6EECF244321}">
+                <p14:modId xmlns:p14="http://schemas.microsoft.com/office/powerpoint/2010/main" val="4086749688"/>
+              </p:ext>
+            </p:extLst>
+          </p:nvPr>
+        </p:nvGraphicFramePr>
+        <p:xfrm>
+          <a:off x="5175250" y="2519891"/>
+          <a:ext cx="1568451" cy="737660"/>
+        </p:xfrm>
+        <a:graphic>
+          <a:graphicData uri="http://schemas.openxmlformats.org/drawingml/2006/table">
+            <a:tbl>
+              <a:tblPr firstRow="1" bandRow="1">
+                <a:tableStyleId>{5C22544A-7EE6-4342-B048-85BDC9FD1C3A}</a:tableStyleId>
+              </a:tblPr>
+              <a:tblGrid>
+                <a:gridCol w="522817">
+                  <a:extLst>
+                    <a:ext uri="{9D8B030D-6E8A-4147-A177-3AD203B41FA5}">
+                      <a16:colId xmlns:a16="http://schemas.microsoft.com/office/drawing/2014/main" val="3339990464"/>
+                    </a:ext>
+                  </a:extLst>
+                </a:gridCol>
+                <a:gridCol w="522817">
+                  <a:extLst>
+                    <a:ext uri="{9D8B030D-6E8A-4147-A177-3AD203B41FA5}">
+                      <a16:colId xmlns:a16="http://schemas.microsoft.com/office/drawing/2014/main" val="374767181"/>
+                    </a:ext>
+                  </a:extLst>
+                </a:gridCol>
+                <a:gridCol w="522817">
+                  <a:extLst>
+                    <a:ext uri="{9D8B030D-6E8A-4147-A177-3AD203B41FA5}">
+                      <a16:colId xmlns:a16="http://schemas.microsoft.com/office/drawing/2014/main" val="784701544"/>
+                    </a:ext>
+                  </a:extLst>
+                </a:gridCol>
+              </a:tblGrid>
+              <a:tr h="368830">
+                <a:tc>
+                  <a:txBody>
+                    <a:bodyPr/>
+                    <a:lstStyle/>
+                    <a:p>
+                      <a:pPr algn="ctr"/>
+                      <a:r>
+                        <a:rPr lang="en-US" altLang="zh-CN" b="1" dirty="0">
+                          <a:solidFill>
+                            <a:schemeClr val="tx1"/>
+                          </a:solidFill>
+                        </a:rPr>
+                        <a:t>4</a:t>
+                      </a:r>
+                      <a:endParaRPr lang="zh-CN" altLang="en-US" b="1" dirty="0">
+                        <a:solidFill>
+                          <a:schemeClr val="tx1"/>
+                        </a:solidFill>
+                      </a:endParaRPr>
+                    </a:p>
+                  </a:txBody>
+                  <a:tcPr>
+                    <a:solidFill>
+                      <a:schemeClr val="accent1">
+                        <a:lumMod val="40000"/>
+                        <a:lumOff val="60000"/>
+                      </a:schemeClr>
+                    </a:solidFill>
+                  </a:tcPr>
+                </a:tc>
+                <a:tc>
+                  <a:txBody>
+                    <a:bodyPr/>
+                    <a:lstStyle/>
+                    <a:p>
+                      <a:pPr algn="ctr"/>
+                      <a:r>
+                        <a:rPr lang="en-US" altLang="zh-CN" b="1" dirty="0">
+                          <a:solidFill>
+                            <a:schemeClr val="tx1"/>
+                          </a:solidFill>
+                        </a:rPr>
+                        <a:t>0</a:t>
+                      </a:r>
+                      <a:endParaRPr lang="zh-CN" altLang="en-US" b="1" dirty="0">
+                        <a:solidFill>
+                          <a:schemeClr val="tx1"/>
+                        </a:solidFill>
+                      </a:endParaRPr>
+                    </a:p>
+                  </a:txBody>
+                  <a:tcPr>
+                    <a:solidFill>
+                      <a:srgbClr val="92D050"/>
+                    </a:solidFill>
+                  </a:tcPr>
+                </a:tc>
+                <a:tc>
+                  <a:txBody>
+                    <a:bodyPr/>
+                    <a:lstStyle/>
+                    <a:p>
+                      <a:pPr algn="ctr"/>
+                      <a:r>
+                        <a:rPr lang="en-US" altLang="zh-CN" b="1" dirty="0">
+                          <a:solidFill>
+                            <a:schemeClr val="tx1"/>
+                          </a:solidFill>
+                        </a:rPr>
+                        <a:t>2</a:t>
+                      </a:r>
+                      <a:endParaRPr lang="zh-CN" altLang="en-US" b="1" dirty="0">
+                        <a:solidFill>
+                          <a:schemeClr val="tx1"/>
+                        </a:solidFill>
+                      </a:endParaRPr>
+                    </a:p>
+                  </a:txBody>
+                  <a:tcPr>
+                    <a:solidFill>
+                      <a:schemeClr val="accent1">
+                        <a:lumMod val="40000"/>
+                        <a:lumOff val="60000"/>
+                      </a:schemeClr>
+                    </a:solidFill>
+                  </a:tcPr>
+                </a:tc>
+                <a:extLst>
+                  <a:ext uri="{0D108BD9-81ED-4DB2-BD59-A6C34878D82A}">
+                    <a16:rowId xmlns:a16="http://schemas.microsoft.com/office/drawing/2014/main" val="4282265295"/>
+                  </a:ext>
+                </a:extLst>
+              </a:tr>
+              <a:tr h="368830">
+                <a:tc>
+                  <a:txBody>
+                    <a:bodyPr/>
+                    <a:lstStyle/>
+                    <a:p>
+                      <a:pPr algn="ctr"/>
+                      <a:r>
+                        <a:rPr lang="en-US" altLang="zh-CN" b="1" dirty="0">
+                          <a:solidFill>
+                            <a:schemeClr val="tx1"/>
+                          </a:solidFill>
+                        </a:rPr>
+                        <a:t>5</a:t>
+                      </a:r>
+                      <a:endParaRPr lang="zh-CN" altLang="en-US" b="1" dirty="0">
+                        <a:solidFill>
+                          <a:schemeClr val="tx1"/>
+                        </a:solidFill>
+                      </a:endParaRPr>
+                    </a:p>
+                  </a:txBody>
+                  <a:tcPr>
+                    <a:solidFill>
+                      <a:schemeClr val="accent1">
+                        <a:lumMod val="40000"/>
+                        <a:lumOff val="60000"/>
+                      </a:schemeClr>
+                    </a:solidFill>
+                  </a:tcPr>
+                </a:tc>
+                <a:tc>
+                  <a:txBody>
+                    <a:bodyPr/>
+                    <a:lstStyle/>
+                    <a:p>
+                      <a:pPr algn="ctr"/>
+                      <a:r>
+                        <a:rPr lang="en-US" altLang="zh-CN" b="1" dirty="0">
+                          <a:solidFill>
+                            <a:schemeClr val="tx1"/>
+                          </a:solidFill>
+                        </a:rPr>
+                        <a:t>1</a:t>
+                      </a:r>
+                      <a:endParaRPr lang="zh-CN" altLang="en-US" b="1" dirty="0">
+                        <a:solidFill>
+                          <a:schemeClr val="tx1"/>
+                        </a:solidFill>
+                      </a:endParaRPr>
+                    </a:p>
+                  </a:txBody>
+                  <a:tcPr>
+                    <a:solidFill>
+                      <a:schemeClr val="accent1">
+                        <a:lumMod val="40000"/>
+                        <a:lumOff val="60000"/>
+                      </a:schemeClr>
+                    </a:solidFill>
+                  </a:tcPr>
+                </a:tc>
+                <a:tc>
+                  <a:txBody>
+                    <a:bodyPr/>
+                    <a:lstStyle/>
+                    <a:p>
+                      <a:pPr algn="ctr"/>
+                      <a:r>
+                        <a:rPr lang="en-US" altLang="zh-CN" b="1" dirty="0">
+                          <a:solidFill>
+                            <a:schemeClr val="tx1"/>
+                          </a:solidFill>
+                        </a:rPr>
+                        <a:t>3</a:t>
+                      </a:r>
+                      <a:endParaRPr lang="zh-CN" altLang="en-US" b="1" dirty="0">
+                        <a:solidFill>
+                          <a:schemeClr val="tx1"/>
+                        </a:solidFill>
+                      </a:endParaRPr>
+                    </a:p>
+                  </a:txBody>
+                  <a:tcPr>
+                    <a:solidFill>
+                      <a:schemeClr val="accent1">
+                        <a:lumMod val="40000"/>
+                        <a:lumOff val="60000"/>
+                      </a:schemeClr>
+                    </a:solidFill>
+                  </a:tcPr>
+                </a:tc>
+                <a:extLst>
+                  <a:ext uri="{0D108BD9-81ED-4DB2-BD59-A6C34878D82A}">
+                    <a16:rowId xmlns:a16="http://schemas.microsoft.com/office/drawing/2014/main" val="4260101020"/>
+                  </a:ext>
+                </a:extLst>
+              </a:tr>
+            </a:tbl>
+          </a:graphicData>
+        </a:graphic>
+      </p:graphicFrame>
+      <p:cxnSp>
+        <p:nvCxnSpPr>
+          <p:cNvPr id="10" name="直接箭头连接符 9">
+            <a:extLst>
+              <a:ext uri="{FF2B5EF4-FFF2-40B4-BE49-F238E27FC236}">
+                <a16:creationId xmlns:a16="http://schemas.microsoft.com/office/drawing/2014/main" id="{A92398C8-C4FB-4910-A2D8-873AC75177A8}"/>
+              </a:ext>
+            </a:extLst>
+          </p:cNvPr>
+          <p:cNvCxnSpPr>
+            <a:endCxn id="8" idx="0"/>
+          </p:cNvCxnSpPr>
+          <p:nvPr/>
+        </p:nvCxnSpPr>
+        <p:spPr>
+          <a:xfrm>
+            <a:off x="5959475" y="1457326"/>
+            <a:ext cx="0" cy="1062565"/>
+          </a:xfrm>
+          <a:prstGeom prst="straightConnector1">
+            <a:avLst/>
+          </a:prstGeom>
+          <a:ln w="38100">
+            <a:tailEnd type="triangle"/>
+          </a:ln>
+        </p:spPr>
+        <p:style>
+          <a:lnRef idx="3">
+            <a:schemeClr val="accent4"/>
+          </a:lnRef>
+          <a:fillRef idx="0">
+            <a:schemeClr val="accent4"/>
+          </a:fillRef>
+          <a:effectRef idx="2">
+            <a:schemeClr val="accent4"/>
+          </a:effectRef>
+          <a:fontRef idx="minor">
+            <a:schemeClr val="tx1"/>
+          </a:fontRef>
+        </p:style>
+      </p:cxnSp>
+      <p:cxnSp>
+        <p:nvCxnSpPr>
+          <p:cNvPr id="12" name="直接箭头连接符 11">
+            <a:extLst>
+              <a:ext uri="{FF2B5EF4-FFF2-40B4-BE49-F238E27FC236}">
+                <a16:creationId xmlns:a16="http://schemas.microsoft.com/office/drawing/2014/main" id="{EC6C161D-D3B0-4A8D-BAB4-C503B7F08743}"/>
+              </a:ext>
+            </a:extLst>
+          </p:cNvPr>
+          <p:cNvCxnSpPr>
+            <a:endCxn id="7" idx="0"/>
+          </p:cNvCxnSpPr>
+          <p:nvPr/>
+        </p:nvCxnSpPr>
+        <p:spPr>
+          <a:xfrm flipH="1">
+            <a:off x="3654425" y="1457326"/>
+            <a:ext cx="2305050" cy="1062566"/>
+          </a:xfrm>
+          <a:prstGeom prst="straightConnector1">
+            <a:avLst/>
+          </a:prstGeom>
+          <a:ln w="38100">
+            <a:tailEnd type="triangle"/>
+          </a:ln>
+        </p:spPr>
+        <p:style>
+          <a:lnRef idx="3">
+            <a:schemeClr val="accent4"/>
+          </a:lnRef>
+          <a:fillRef idx="0">
+            <a:schemeClr val="accent4"/>
+          </a:fillRef>
+          <a:effectRef idx="2">
+            <a:schemeClr val="accent4"/>
+          </a:effectRef>
+          <a:fontRef idx="minor">
+            <a:schemeClr val="tx1"/>
+          </a:fontRef>
+        </p:style>
+      </p:cxnSp>
+      <p:cxnSp>
+        <p:nvCxnSpPr>
+          <p:cNvPr id="14" name="直接箭头连接符 13">
+            <a:extLst>
+              <a:ext uri="{FF2B5EF4-FFF2-40B4-BE49-F238E27FC236}">
+                <a16:creationId xmlns:a16="http://schemas.microsoft.com/office/drawing/2014/main" id="{B9BA080B-52CF-4678-8BC4-9C5CA3E94020}"/>
+              </a:ext>
+            </a:extLst>
+          </p:cNvPr>
+          <p:cNvCxnSpPr>
+            <a:endCxn id="6" idx="0"/>
+          </p:cNvCxnSpPr>
+          <p:nvPr/>
+        </p:nvCxnSpPr>
+        <p:spPr>
+          <a:xfrm>
+            <a:off x="5959475" y="1457326"/>
+            <a:ext cx="2305050" cy="1062565"/>
+          </a:xfrm>
+          <a:prstGeom prst="straightConnector1">
+            <a:avLst/>
+          </a:prstGeom>
+          <a:ln w="38100">
+            <a:tailEnd type="triangle"/>
+          </a:ln>
+        </p:spPr>
+        <p:style>
+          <a:lnRef idx="3">
+            <a:schemeClr val="accent4"/>
+          </a:lnRef>
+          <a:fillRef idx="0">
+            <a:schemeClr val="accent4"/>
+          </a:fillRef>
+          <a:effectRef idx="2">
+            <a:schemeClr val="accent4"/>
+          </a:effectRef>
+          <a:fontRef idx="minor">
+            <a:schemeClr val="tx1"/>
+          </a:fontRef>
+        </p:style>
+      </p:cxnSp>
+    </p:spTree>
+    <p:extLst>
+      <p:ext uri="{BB962C8B-B14F-4D97-AF65-F5344CB8AC3E}">
+        <p14:creationId xmlns:p14="http://schemas.microsoft.com/office/powerpoint/2010/main" val="3671188275"/>
+      </p:ext>
+    </p:extLst>
+  </p:cSld>
+  <p:clrMapOvr>
+    <a:masterClrMapping/>
+  </p:clrMapOvr>
+</p:sld>
+</file>
+
 <file path=ppt/theme/theme1.xml><?xml version="1.0" encoding="utf-8"?>
 <a:theme xmlns:a="http://schemas.openxmlformats.org/drawingml/2006/main" name="Office 主题​​">
   <a:themeElements>
@@ -10881,7 +12027,7 @@
         <a:sysClr val="windowText" lastClr="000000"/>
       </a:dk1>
       <a:lt1>
-        <a:sysClr val="window" lastClr="FFFFFF"/>
+        <a:sysClr val="window" lastClr="CCE8CF"/>
       </a:lt1>
       <a:dk2>
         <a:srgbClr val="44546A"/>
